--- a/Documentação/Sprint2/Apresentação1.pptx
+++ b/Documentação/Sprint2/Apresentação1.pptx
@@ -7,6 +7,9 @@
   <p:sldIdLst>
     <p:sldId id="257" r:id="rId2"/>
     <p:sldId id="256" r:id="rId3"/>
+    <p:sldId id="258" r:id="rId4"/>
+    <p:sldId id="259" r:id="rId5"/>
+    <p:sldId id="260" r:id="rId6"/>
   </p:sldIdLst>
   <p:sldSz cx="12192000" cy="6858000"/>
   <p:notesSz cx="6858000" cy="9144000"/>
@@ -105,6 +108,11 @@
       </a:defRPr>
     </a:lvl9pPr>
   </p:defaultTextStyle>
+  <p:extLst>
+    <p:ext uri="{EFAFB233-063F-42B5-8137-9DF3F51BA10A}">
+      <p15:sldGuideLst xmlns:p15="http://schemas.microsoft.com/office/powerpoint/2012/main"/>
+    </p:ext>
+  </p:extLst>
 </p:presentation>
 </file>
 
@@ -3067,6 +3075,563 @@
 </p:sld>
 </file>
 
+<file path=ppt/slides/slide3.xml><?xml version="1.0" encoding="utf-8"?>
+<p:sld xmlns:a="http://schemas.openxmlformats.org/drawingml/2006/main" xmlns:r="http://schemas.openxmlformats.org/officeDocument/2006/relationships" xmlns:p="http://schemas.openxmlformats.org/presentationml/2006/main">
+  <p:cSld>
+    <p:spTree>
+      <p:nvGrpSpPr>
+        <p:cNvPr id="1" name=""/>
+        <p:cNvGrpSpPr/>
+        <p:nvPr/>
+      </p:nvGrpSpPr>
+      <p:grpSpPr>
+        <a:xfrm>
+          <a:off x="0" y="0"/>
+          <a:ext cx="0" cy="0"/>
+          <a:chOff x="0" y="0"/>
+          <a:chExt cx="0" cy="0"/>
+        </a:xfrm>
+      </p:grpSpPr>
+      <p:sp>
+        <p:nvSpPr>
+          <p:cNvPr id="4" name="Retângulo 3"/>
+          <p:cNvSpPr/>
+          <p:nvPr/>
+        </p:nvSpPr>
+        <p:spPr>
+          <a:xfrm>
+            <a:off x="0" y="0"/>
+            <a:ext cx="12192000" cy="6858000"/>
+          </a:xfrm>
+          <a:prstGeom prst="rect">
+            <a:avLst/>
+          </a:prstGeom>
+          <a:solidFill>
+            <a:schemeClr val="tx1"/>
+          </a:solidFill>
+          <a:ln>
+            <a:solidFill>
+              <a:schemeClr val="tx1"/>
+            </a:solidFill>
+          </a:ln>
+        </p:spPr>
+        <p:style>
+          <a:lnRef idx="2">
+            <a:schemeClr val="accent1">
+              <a:shade val="50000"/>
+            </a:schemeClr>
+          </a:lnRef>
+          <a:fillRef idx="1">
+            <a:schemeClr val="accent1"/>
+          </a:fillRef>
+          <a:effectRef idx="0">
+            <a:schemeClr val="accent1"/>
+          </a:effectRef>
+          <a:fontRef idx="minor">
+            <a:schemeClr val="lt1"/>
+          </a:fontRef>
+        </p:style>
+        <p:txBody>
+          <a:bodyPr rtlCol="0" anchor="ctr"/>
+          <a:lstStyle/>
+          <a:p>
+            <a:pPr algn="ctr"/>
+            <a:endParaRPr lang="pt-BR"/>
+          </a:p>
+        </p:txBody>
+      </p:sp>
+      <p:pic>
+        <p:nvPicPr>
+          <p:cNvPr id="5" name="Imagem 4"/>
+          <p:cNvPicPr>
+            <a:picLocks noChangeAspect="1"/>
+          </p:cNvPicPr>
+          <p:nvPr/>
+        </p:nvPicPr>
+        <p:blipFill rotWithShape="1">
+          <a:blip r:embed="rId2">
+            <a:extLst>
+              <a:ext uri="{28A0092B-C50C-407E-A947-70E740481C1C}">
+                <a14:useLocalDpi xmlns:a14="http://schemas.microsoft.com/office/drawing/2010/main" val="0"/>
+              </a:ext>
+            </a:extLst>
+          </a:blip>
+          <a:srcRect t="969" r="1690" b="557"/>
+          <a:stretch/>
+        </p:blipFill>
+        <p:spPr>
+          <a:xfrm>
+            <a:off x="2302505" y="150223"/>
+            <a:ext cx="7586989" cy="6557554"/>
+          </a:xfrm>
+          <a:prstGeom prst="rect">
+            <a:avLst/>
+          </a:prstGeom>
+        </p:spPr>
+      </p:pic>
+      <p:pic>
+        <p:nvPicPr>
+          <p:cNvPr id="8" name="Imagem 7"/>
+          <p:cNvPicPr>
+            <a:picLocks noChangeAspect="1"/>
+          </p:cNvPicPr>
+          <p:nvPr/>
+        </p:nvPicPr>
+        <p:blipFill rotWithShape="1">
+          <a:blip r:embed="rId3">
+            <a:extLst>
+              <a:ext uri="{28A0092B-C50C-407E-A947-70E740481C1C}">
+                <a14:useLocalDpi xmlns:a14="http://schemas.microsoft.com/office/drawing/2010/main" val="0"/>
+              </a:ext>
+            </a:extLst>
+          </a:blip>
+          <a:srcRect t="7010" r="6668" b="6458"/>
+          <a:stretch/>
+        </p:blipFill>
+        <p:spPr>
+          <a:xfrm>
+            <a:off x="6095999" y="2416628"/>
+            <a:ext cx="3387635" cy="2534195"/>
+          </a:xfrm>
+          <a:prstGeom prst="rect">
+            <a:avLst/>
+          </a:prstGeom>
+        </p:spPr>
+      </p:pic>
+      <p:pic>
+        <p:nvPicPr>
+          <p:cNvPr id="9" name="Imagem 8"/>
+          <p:cNvPicPr>
+            <a:picLocks noChangeAspect="1"/>
+          </p:cNvPicPr>
+          <p:nvPr/>
+        </p:nvPicPr>
+        <p:blipFill rotWithShape="1">
+          <a:blip r:embed="rId4" cstate="print">
+            <a:duotone>
+              <a:prstClr val="black"/>
+              <a:schemeClr val="accent1">
+                <a:tint val="45000"/>
+                <a:satMod val="400000"/>
+              </a:schemeClr>
+            </a:duotone>
+            <a:extLst>
+              <a:ext uri="{28A0092B-C50C-407E-A947-70E740481C1C}">
+                <a14:useLocalDpi xmlns:a14="http://schemas.microsoft.com/office/drawing/2010/main" val="0"/>
+              </a:ext>
+            </a:extLst>
+          </a:blip>
+          <a:srcRect t="7010" r="6668" b="6458"/>
+          <a:stretch/>
+        </p:blipFill>
+        <p:spPr>
+          <a:xfrm>
+            <a:off x="2302504" y="3056709"/>
+            <a:ext cx="1338755" cy="1001485"/>
+          </a:xfrm>
+          <a:prstGeom prst="rect">
+            <a:avLst/>
+          </a:prstGeom>
+        </p:spPr>
+      </p:pic>
+      <p:pic>
+        <p:nvPicPr>
+          <p:cNvPr id="10" name="Imagem 9"/>
+          <p:cNvPicPr>
+            <a:picLocks noChangeAspect="1"/>
+          </p:cNvPicPr>
+          <p:nvPr/>
+        </p:nvPicPr>
+        <p:blipFill rotWithShape="1">
+          <a:blip r:embed="rId4" cstate="print">
+            <a:duotone>
+              <a:prstClr val="black"/>
+              <a:schemeClr val="accent6">
+                <a:tint val="45000"/>
+                <a:satMod val="400000"/>
+              </a:schemeClr>
+            </a:duotone>
+            <a:extLst>
+              <a:ext uri="{28A0092B-C50C-407E-A947-70E740481C1C}">
+                <a14:useLocalDpi xmlns:a14="http://schemas.microsoft.com/office/drawing/2010/main" val="0"/>
+              </a:ext>
+            </a:extLst>
+          </a:blip>
+          <a:srcRect t="7010" r="6668" b="6458"/>
+          <a:stretch/>
+        </p:blipFill>
+        <p:spPr>
+          <a:xfrm>
+            <a:off x="2302504" y="4456611"/>
+            <a:ext cx="1338755" cy="1001485"/>
+          </a:xfrm>
+          <a:prstGeom prst="rect">
+            <a:avLst/>
+          </a:prstGeom>
+        </p:spPr>
+      </p:pic>
+      <p:pic>
+        <p:nvPicPr>
+          <p:cNvPr id="11" name="Imagem 10"/>
+          <p:cNvPicPr>
+            <a:picLocks noChangeAspect="1"/>
+          </p:cNvPicPr>
+          <p:nvPr/>
+        </p:nvPicPr>
+        <p:blipFill rotWithShape="1">
+          <a:blip r:embed="rId5" cstate="print">
+            <a:duotone>
+              <a:prstClr val="black"/>
+              <a:srgbClr val="D9C3A5">
+                <a:tint val="50000"/>
+                <a:satMod val="180000"/>
+              </a:srgbClr>
+            </a:duotone>
+            <a:extLst>
+              <a:ext uri="{BEBA8EAE-BF5A-486C-A8C5-ECC9F3942E4B}">
+                <a14:imgProps xmlns:a14="http://schemas.microsoft.com/office/drawing/2010/main">
+                  <a14:imgLayer r:embed="rId6">
+                    <a14:imgEffect>
+                      <a14:colorTemperature colorTemp="7200"/>
+                    </a14:imgEffect>
+                  </a14:imgLayer>
+                </a14:imgProps>
+              </a:ext>
+              <a:ext uri="{28A0092B-C50C-407E-A947-70E740481C1C}">
+                <a14:useLocalDpi xmlns:a14="http://schemas.microsoft.com/office/drawing/2010/main" val="0"/>
+              </a:ext>
+            </a:extLst>
+          </a:blip>
+          <a:srcRect t="7010" r="6668" b="6458"/>
+          <a:stretch/>
+        </p:blipFill>
+        <p:spPr>
+          <a:xfrm>
+            <a:off x="2302504" y="1479370"/>
+            <a:ext cx="1338755" cy="1001485"/>
+          </a:xfrm>
+          <a:prstGeom prst="rect">
+            <a:avLst/>
+          </a:prstGeom>
+        </p:spPr>
+      </p:pic>
+      <p:pic>
+        <p:nvPicPr>
+          <p:cNvPr id="12" name="Imagem 11"/>
+          <p:cNvPicPr>
+            <a:picLocks noChangeAspect="1"/>
+          </p:cNvPicPr>
+          <p:nvPr/>
+        </p:nvPicPr>
+        <p:blipFill rotWithShape="1">
+          <a:blip r:embed="rId4" cstate="print">
+            <a:duotone>
+              <a:prstClr val="black"/>
+              <a:schemeClr val="accent2">
+                <a:tint val="45000"/>
+                <a:satMod val="400000"/>
+              </a:schemeClr>
+            </a:duotone>
+            <a:extLst>
+              <a:ext uri="{28A0092B-C50C-407E-A947-70E740481C1C}">
+                <a14:useLocalDpi xmlns:a14="http://schemas.microsoft.com/office/drawing/2010/main" val="0"/>
+              </a:ext>
+            </a:extLst>
+          </a:blip>
+          <a:srcRect t="7010" r="6668" b="6458"/>
+          <a:stretch/>
+        </p:blipFill>
+        <p:spPr>
+          <a:xfrm>
+            <a:off x="2302504" y="5666016"/>
+            <a:ext cx="1338755" cy="1001485"/>
+          </a:xfrm>
+          <a:prstGeom prst="rect">
+            <a:avLst/>
+          </a:prstGeom>
+        </p:spPr>
+      </p:pic>
+    </p:spTree>
+    <p:extLst>
+      <p:ext uri="{BB962C8B-B14F-4D97-AF65-F5344CB8AC3E}">
+        <p14:creationId xmlns:p14="http://schemas.microsoft.com/office/powerpoint/2010/main" val="1829587339"/>
+      </p:ext>
+    </p:extLst>
+  </p:cSld>
+  <p:clrMapOvr>
+    <a:masterClrMapping/>
+  </p:clrMapOvr>
+</p:sld>
+</file>
+
+<file path=ppt/slides/slide4.xml><?xml version="1.0" encoding="utf-8"?>
+<p:sld xmlns:a="http://schemas.openxmlformats.org/drawingml/2006/main" xmlns:r="http://schemas.openxmlformats.org/officeDocument/2006/relationships" xmlns:p="http://schemas.openxmlformats.org/presentationml/2006/main">
+  <p:cSld>
+    <p:spTree>
+      <p:nvGrpSpPr>
+        <p:cNvPr id="1" name=""/>
+        <p:cNvGrpSpPr/>
+        <p:nvPr/>
+      </p:nvGrpSpPr>
+      <p:grpSpPr>
+        <a:xfrm>
+          <a:off x="0" y="0"/>
+          <a:ext cx="0" cy="0"/>
+          <a:chOff x="0" y="0"/>
+          <a:chExt cx="0" cy="0"/>
+        </a:xfrm>
+      </p:grpSpPr>
+      <p:sp>
+        <p:nvSpPr>
+          <p:cNvPr id="4" name="Retângulo 3"/>
+          <p:cNvSpPr/>
+          <p:nvPr/>
+        </p:nvSpPr>
+        <p:spPr>
+          <a:xfrm>
+            <a:off x="0" y="0"/>
+            <a:ext cx="12192000" cy="6858000"/>
+          </a:xfrm>
+          <a:prstGeom prst="rect">
+            <a:avLst/>
+          </a:prstGeom>
+          <a:solidFill>
+            <a:schemeClr val="tx1"/>
+          </a:solidFill>
+          <a:ln>
+            <a:solidFill>
+              <a:schemeClr val="tx1"/>
+            </a:solidFill>
+          </a:ln>
+        </p:spPr>
+        <p:style>
+          <a:lnRef idx="2">
+            <a:schemeClr val="accent1">
+              <a:shade val="50000"/>
+            </a:schemeClr>
+          </a:lnRef>
+          <a:fillRef idx="1">
+            <a:schemeClr val="accent1"/>
+          </a:fillRef>
+          <a:effectRef idx="0">
+            <a:schemeClr val="accent1"/>
+          </a:effectRef>
+          <a:fontRef idx="minor">
+            <a:schemeClr val="lt1"/>
+          </a:fontRef>
+        </p:style>
+        <p:txBody>
+          <a:bodyPr rtlCol="0" anchor="ctr"/>
+          <a:lstStyle/>
+          <a:p>
+            <a:pPr algn="ctr"/>
+            <a:endParaRPr lang="pt-BR"/>
+          </a:p>
+        </p:txBody>
+      </p:sp>
+      <p:pic>
+        <p:nvPicPr>
+          <p:cNvPr id="2" name="Imagem 1"/>
+          <p:cNvPicPr>
+            <a:picLocks noChangeAspect="1"/>
+          </p:cNvPicPr>
+          <p:nvPr/>
+        </p:nvPicPr>
+        <p:blipFill>
+          <a:blip r:embed="rId2">
+            <a:extLst>
+              <a:ext uri="{28A0092B-C50C-407E-A947-70E740481C1C}">
+                <a14:useLocalDpi xmlns:a14="http://schemas.microsoft.com/office/drawing/2010/main" val="0"/>
+              </a:ext>
+            </a:extLst>
+          </a:blip>
+          <a:stretch>
+            <a:fillRect/>
+          </a:stretch>
+        </p:blipFill>
+        <p:spPr>
+          <a:xfrm>
+            <a:off x="1994915" y="728285"/>
+            <a:ext cx="8202170" cy="5401429"/>
+          </a:xfrm>
+          <a:prstGeom prst="rect">
+            <a:avLst/>
+          </a:prstGeom>
+          <a:ln w="190500" cap="sq">
+            <a:solidFill>
+              <a:srgbClr val="C8C6BD"/>
+            </a:solidFill>
+            <a:prstDash val="solid"/>
+            <a:miter lim="800000"/>
+          </a:ln>
+          <a:effectLst>
+            <a:outerShdw blurRad="254000" algn="bl" rotWithShape="0">
+              <a:srgbClr val="000000">
+                <a:alpha val="43000"/>
+              </a:srgbClr>
+            </a:outerShdw>
+          </a:effectLst>
+          <a:scene3d>
+            <a:camera prst="perspectiveFront" fov="5400000"/>
+            <a:lightRig rig="threePt" dir="t">
+              <a:rot lat="0" lon="0" rev="2100000"/>
+            </a:lightRig>
+          </a:scene3d>
+          <a:sp3d extrusionH="25400">
+            <a:bevelT w="304800" h="152400" prst="hardEdge"/>
+            <a:extrusionClr>
+              <a:srgbClr val="000000"/>
+            </a:extrusionClr>
+          </a:sp3d>
+        </p:spPr>
+      </p:pic>
+    </p:spTree>
+    <p:extLst>
+      <p:ext uri="{BB962C8B-B14F-4D97-AF65-F5344CB8AC3E}">
+        <p14:creationId xmlns:p14="http://schemas.microsoft.com/office/powerpoint/2010/main" val="2938301134"/>
+      </p:ext>
+    </p:extLst>
+  </p:cSld>
+  <p:clrMapOvr>
+    <a:masterClrMapping/>
+  </p:clrMapOvr>
+</p:sld>
+</file>
+
+<file path=ppt/slides/slide5.xml><?xml version="1.0" encoding="utf-8"?>
+<p:sld xmlns:a="http://schemas.openxmlformats.org/drawingml/2006/main" xmlns:r="http://schemas.openxmlformats.org/officeDocument/2006/relationships" xmlns:p="http://schemas.openxmlformats.org/presentationml/2006/main">
+  <p:cSld>
+    <p:spTree>
+      <p:nvGrpSpPr>
+        <p:cNvPr id="1" name=""/>
+        <p:cNvGrpSpPr/>
+        <p:nvPr/>
+      </p:nvGrpSpPr>
+      <p:grpSpPr>
+        <a:xfrm>
+          <a:off x="0" y="0"/>
+          <a:ext cx="0" cy="0"/>
+          <a:chOff x="0" y="0"/>
+          <a:chExt cx="0" cy="0"/>
+        </a:xfrm>
+      </p:grpSpPr>
+      <p:sp>
+        <p:nvSpPr>
+          <p:cNvPr id="4" name="Retângulo 3"/>
+          <p:cNvSpPr/>
+          <p:nvPr/>
+        </p:nvSpPr>
+        <p:spPr>
+          <a:xfrm>
+            <a:off x="0" y="0"/>
+            <a:ext cx="12192000" cy="6858000"/>
+          </a:xfrm>
+          <a:prstGeom prst="rect">
+            <a:avLst/>
+          </a:prstGeom>
+          <a:solidFill>
+            <a:schemeClr val="tx1"/>
+          </a:solidFill>
+          <a:ln>
+            <a:solidFill>
+              <a:schemeClr val="tx1"/>
+            </a:solidFill>
+          </a:ln>
+        </p:spPr>
+        <p:style>
+          <a:lnRef idx="2">
+            <a:schemeClr val="accent1">
+              <a:shade val="50000"/>
+            </a:schemeClr>
+          </a:lnRef>
+          <a:fillRef idx="1">
+            <a:schemeClr val="accent1"/>
+          </a:fillRef>
+          <a:effectRef idx="0">
+            <a:schemeClr val="accent1"/>
+          </a:effectRef>
+          <a:fontRef idx="minor">
+            <a:schemeClr val="lt1"/>
+          </a:fontRef>
+        </p:style>
+        <p:txBody>
+          <a:bodyPr rtlCol="0" anchor="ctr"/>
+          <a:lstStyle/>
+          <a:p>
+            <a:pPr algn="ctr"/>
+            <a:endParaRPr lang="pt-BR"/>
+          </a:p>
+        </p:txBody>
+      </p:sp>
+      <p:pic>
+        <p:nvPicPr>
+          <p:cNvPr id="2" name="Imagem 1"/>
+          <p:cNvPicPr>
+            <a:picLocks noChangeAspect="1"/>
+          </p:cNvPicPr>
+          <p:nvPr/>
+        </p:nvPicPr>
+        <p:blipFill>
+          <a:blip r:embed="rId2">
+            <a:extLst>
+              <a:ext uri="{28A0092B-C50C-407E-A947-70E740481C1C}">
+                <a14:useLocalDpi xmlns:a14="http://schemas.microsoft.com/office/drawing/2010/main" val="0"/>
+              </a:ext>
+            </a:extLst>
+          </a:blip>
+          <a:stretch>
+            <a:fillRect/>
+          </a:stretch>
+        </p:blipFill>
+        <p:spPr>
+          <a:xfrm>
+            <a:off x="2194968" y="794970"/>
+            <a:ext cx="7802064" cy="5268060"/>
+          </a:xfrm>
+          <a:prstGeom prst="rect">
+            <a:avLst/>
+          </a:prstGeom>
+          <a:ln w="190500" cap="sq">
+            <a:solidFill>
+              <a:srgbClr val="C8C6BD"/>
+            </a:solidFill>
+            <a:prstDash val="solid"/>
+            <a:miter lim="800000"/>
+          </a:ln>
+          <a:effectLst>
+            <a:outerShdw blurRad="254000" algn="bl" rotWithShape="0">
+              <a:srgbClr val="000000">
+                <a:alpha val="43000"/>
+              </a:srgbClr>
+            </a:outerShdw>
+          </a:effectLst>
+          <a:scene3d>
+            <a:camera prst="perspectiveFront" fov="5400000"/>
+            <a:lightRig rig="threePt" dir="t">
+              <a:rot lat="0" lon="0" rev="2100000"/>
+            </a:lightRig>
+          </a:scene3d>
+          <a:sp3d extrusionH="25400">
+            <a:bevelT w="304800" h="152400" prst="hardEdge"/>
+            <a:extrusionClr>
+              <a:srgbClr val="000000"/>
+            </a:extrusionClr>
+          </a:sp3d>
+        </p:spPr>
+      </p:pic>
+    </p:spTree>
+    <p:extLst>
+      <p:ext uri="{BB962C8B-B14F-4D97-AF65-F5344CB8AC3E}">
+        <p14:creationId xmlns:p14="http://schemas.microsoft.com/office/powerpoint/2010/main" val="2217880322"/>
+      </p:ext>
+    </p:extLst>
+  </p:cSld>
+  <p:clrMapOvr>
+    <a:masterClrMapping/>
+  </p:clrMapOvr>
+</p:sld>
+</file>
+
 <file path=ppt/theme/theme1.xml><?xml version="1.0" encoding="utf-8"?>
 <a:theme xmlns:a="http://schemas.openxmlformats.org/drawingml/2006/main" name="Tema do Office">
   <a:themeElements>
